--- a/pyWorks/자료/django_ppt/pyweb_ppt/pybo 6장.  페이징, 검색, 정렬.pptx
+++ b/pyWorks/자료/django_ppt/pyweb_ppt/pybo 6장.  페이징, 검색, 정렬.pptx
@@ -142,7 +142,7 @@
   </p:defaultTextStyle>
   <p:extLst>
     <p:ext uri="{EFAFB233-063F-42B5-8137-9DF3F51BA10A}">
-      <p15:sldGuideLst xmlns:p15="http://schemas.microsoft.com/office/powerpoint/2012/main" xmlns="">
+      <p15:sldGuideLst xmlns:p15="http://schemas.microsoft.com/office/powerpoint/2012/main">
         <p15:guide id="1" orient="horz" pos="2160">
           <p15:clr>
             <a:srgbClr val="A4A3A4"/>
@@ -241,7 +241,7 @@
           <a:p>
             <a:fld id="{7665CDAC-D627-4E87-877A-1B781DD4CADC}" type="datetimeFigureOut">
               <a:rPr lang="ko-KR" altLang="en-US" smtClean="0"/>
-              <a:t>2022-03-16</a:t>
+              <a:t>2023-06-26</a:t>
             </a:fld>
             <a:endParaRPr lang="ko-KR" altLang="en-US"/>
           </a:p>
@@ -653,7 +653,7 @@
           <a:p>
             <a:fld id="{C25BCFD5-C4DF-4EBC-B718-C69ED2FBDE6F}" type="datetime1">
               <a:rPr lang="ko-KR" altLang="en-US" smtClean="0"/>
-              <a:t>2022-03-16</a:t>
+              <a:t>2023-06-26</a:t>
             </a:fld>
             <a:endParaRPr lang="ko-KR" altLang="en-US"/>
           </a:p>
@@ -706,7 +706,7 @@
           <p:cNvPr id="9" name="직각 삼각형 2">
             <a:extLst>
               <a:ext uri="{FF2B5EF4-FFF2-40B4-BE49-F238E27FC236}">
-                <a16:creationId xmlns="" xmlns:a16="http://schemas.microsoft.com/office/drawing/2014/main" id="{3A714731-6D03-4E18-B8C6-D8E1F4F17412}"/>
+                <a16:creationId xmlns:a16="http://schemas.microsoft.com/office/drawing/2014/main" id="{3A714731-6D03-4E18-B8C6-D8E1F4F17412}"/>
               </a:ext>
             </a:extLst>
           </p:cNvPr>
@@ -822,7 +822,7 @@
           <p:cNvPr id="3" name="직각 삼각형 2">
             <a:extLst>
               <a:ext uri="{FF2B5EF4-FFF2-40B4-BE49-F238E27FC236}">
-                <a16:creationId xmlns="" xmlns:a16="http://schemas.microsoft.com/office/drawing/2014/main" id="{DF1B6BC0-8338-40DD-BF30-626E17AD387E}"/>
+                <a16:creationId xmlns:a16="http://schemas.microsoft.com/office/drawing/2014/main" id="{DF1B6BC0-8338-40DD-BF30-626E17AD387E}"/>
               </a:ext>
             </a:extLst>
           </p:cNvPr>
@@ -935,7 +935,7 @@
           <p:cNvPr id="2050" name="Picture 2" descr="íì´ì¬ â¢">
             <a:extLst>
               <a:ext uri="{FF2B5EF4-FFF2-40B4-BE49-F238E27FC236}">
-                <a16:creationId xmlns="" xmlns:a16="http://schemas.microsoft.com/office/drawing/2014/main" id="{8B696DBA-70BE-4EBC-8628-59B49C89E0D4}"/>
+                <a16:creationId xmlns:a16="http://schemas.microsoft.com/office/drawing/2014/main" id="{8B696DBA-70BE-4EBC-8628-59B49C89E0D4}"/>
               </a:ext>
             </a:extLst>
           </p:cNvPr>
@@ -1104,7 +1104,7 @@
           <a:p>
             <a:fld id="{AB448CD7-D367-43D5-B461-ACE552E75063}" type="datetime1">
               <a:rPr lang="ko-KR" altLang="en-US" smtClean="0"/>
-              <a:t>2022-03-16</a:t>
+              <a:t>2023-06-26</a:t>
             </a:fld>
             <a:endParaRPr lang="ko-KR" altLang="en-US"/>
           </a:p>
@@ -1282,7 +1282,7 @@
           <a:p>
             <a:fld id="{B6E49E79-7361-4780-8BEF-7EDE3708298A}" type="datetime1">
               <a:rPr lang="ko-KR" altLang="en-US" smtClean="0"/>
-              <a:t>2022-03-16</a:t>
+              <a:t>2023-06-26</a:t>
             </a:fld>
             <a:endParaRPr lang="ko-KR" altLang="en-US"/>
           </a:p>
@@ -1454,7 +1454,7 @@
           <a:p>
             <a:fld id="{A4D42E3C-B70B-437C-85CF-1286301B9CBA}" type="datetime1">
               <a:rPr lang="ko-KR" altLang="en-US" smtClean="0"/>
-              <a:t>2022-03-16</a:t>
+              <a:t>2023-06-26</a:t>
             </a:fld>
             <a:endParaRPr lang="ko-KR" altLang="en-US"/>
           </a:p>
@@ -1706,7 +1706,7 @@
           <a:p>
             <a:fld id="{B3369A20-5B3D-4D98-A822-26B93D177A40}" type="datetime1">
               <a:rPr lang="ko-KR" altLang="en-US" smtClean="0"/>
-              <a:t>2022-03-16</a:t>
+              <a:t>2023-06-26</a:t>
             </a:fld>
             <a:endParaRPr lang="ko-KR" altLang="en-US"/>
           </a:p>
@@ -1991,7 +1991,7 @@
           <a:p>
             <a:fld id="{685CD4CE-9E43-4F70-A9D8-A2130CA7D92A}" type="datetime1">
               <a:rPr lang="ko-KR" altLang="en-US" smtClean="0"/>
-              <a:t>2022-03-16</a:t>
+              <a:t>2023-06-26</a:t>
             </a:fld>
             <a:endParaRPr lang="ko-KR" altLang="en-US"/>
           </a:p>
@@ -2417,7 +2417,7 @@
           <a:p>
             <a:fld id="{F752BD92-DA3E-4A0B-90C9-7DE5E15B6E96}" type="datetime1">
               <a:rPr lang="ko-KR" altLang="en-US" smtClean="0"/>
-              <a:t>2022-03-16</a:t>
+              <a:t>2023-06-26</a:t>
             </a:fld>
             <a:endParaRPr lang="ko-KR" altLang="en-US"/>
           </a:p>
@@ -2541,7 +2541,7 @@
           <a:p>
             <a:fld id="{8EA2B83A-F366-424E-B742-340ACF856BB5}" type="datetime1">
               <a:rPr lang="ko-KR" altLang="en-US" smtClean="0"/>
-              <a:t>2022-03-16</a:t>
+              <a:t>2023-06-26</a:t>
             </a:fld>
             <a:endParaRPr lang="ko-KR" altLang="en-US"/>
           </a:p>
@@ -2636,7 +2636,7 @@
           <a:p>
             <a:fld id="{9A49D68B-5DBD-48E9-A8D4-FCBC4B3DD9C6}" type="datetime1">
               <a:rPr lang="ko-KR" altLang="en-US" smtClean="0"/>
-              <a:t>2022-03-16</a:t>
+              <a:t>2023-06-26</a:t>
             </a:fld>
             <a:endParaRPr lang="ko-KR" altLang="en-US"/>
           </a:p>
@@ -2911,7 +2911,7 @@
           <a:p>
             <a:fld id="{4CAB534F-7D16-467B-9320-91F98915D181}" type="datetime1">
               <a:rPr lang="ko-KR" altLang="en-US" smtClean="0"/>
-              <a:t>2022-03-16</a:t>
+              <a:t>2023-06-26</a:t>
             </a:fld>
             <a:endParaRPr lang="ko-KR" altLang="en-US"/>
           </a:p>
@@ -3163,7 +3163,7 @@
           <a:p>
             <a:fld id="{A390A91F-2F8D-4486-A69D-D680F95444B0}" type="datetime1">
               <a:rPr lang="ko-KR" altLang="en-US" smtClean="0"/>
-              <a:t>2022-03-16</a:t>
+              <a:t>2023-06-26</a:t>
             </a:fld>
             <a:endParaRPr lang="ko-KR" altLang="en-US"/>
           </a:p>
@@ -3342,7 +3342,7 @@
           <a:p>
             <a:fld id="{2238BBEA-E8DD-414A-BF68-FC2AFA7CFF2D}" type="datetime1">
               <a:rPr lang="ko-KR" altLang="en-US" smtClean="0"/>
-              <a:t>2022-03-16</a:t>
+              <a:t>2023-06-26</a:t>
             </a:fld>
             <a:endParaRPr lang="ko-KR" altLang="en-US"/>
           </a:p>
@@ -7618,8 +7618,20 @@
                 <a:tableStyleId>{5940675A-B579-460E-94D1-54222C63F5DA}</a:tableStyleId>
               </a:tblPr>
               <a:tblGrid>
-                <a:gridCol w="3712956"/>
-                <a:gridCol w="4423948"/>
+                <a:gridCol w="3712956">
+                  <a:extLst>
+                    <a:ext uri="{9D8B030D-6E8A-4147-A177-3AD203B41FA5}">
+                      <a16:colId xmlns:a16="http://schemas.microsoft.com/office/drawing/2014/main" val="20000"/>
+                    </a:ext>
+                  </a:extLst>
+                </a:gridCol>
+                <a:gridCol w="4423948">
+                  <a:extLst>
+                    <a:ext uri="{9D8B030D-6E8A-4147-A177-3AD203B41FA5}">
+                      <a16:colId xmlns:a16="http://schemas.microsoft.com/office/drawing/2014/main" val="20001"/>
+                    </a:ext>
+                  </a:extLst>
+                </a:gridCol>
               </a:tblGrid>
               <a:tr h="191873">
                 <a:tc>
@@ -7670,6 +7682,11 @@
                     </a:solidFill>
                   </a:tcPr>
                 </a:tc>
+                <a:extLst>
+                  <a:ext uri="{0D108BD9-81ED-4DB2-BD59-A6C34878D82A}">
+                    <a16:rowId xmlns:a16="http://schemas.microsoft.com/office/drawing/2014/main" val="10000"/>
+                  </a:ext>
+                </a:extLst>
               </a:tr>
               <a:tr h="209316">
                 <a:tc>
@@ -7722,6 +7739,11 @@
                     </a:lnR>
                   </a:tcPr>
                 </a:tc>
+                <a:extLst>
+                  <a:ext uri="{0D108BD9-81ED-4DB2-BD59-A6C34878D82A}">
+                    <a16:rowId xmlns:a16="http://schemas.microsoft.com/office/drawing/2014/main" val="10001"/>
+                  </a:ext>
+                </a:extLst>
               </a:tr>
               <a:tr h="209316">
                 <a:tc>
@@ -7798,6 +7820,11 @@
                     </a:lnR>
                   </a:tcPr>
                 </a:tc>
+                <a:extLst>
+                  <a:ext uri="{0D108BD9-81ED-4DB2-BD59-A6C34878D82A}">
+                    <a16:rowId xmlns:a16="http://schemas.microsoft.com/office/drawing/2014/main" val="10002"/>
+                  </a:ext>
+                </a:extLst>
               </a:tr>
               <a:tr h="253591">
                 <a:tc>
@@ -7905,6 +7932,11 @@
                     </a:lnR>
                   </a:tcPr>
                 </a:tc>
+                <a:extLst>
+                  <a:ext uri="{0D108BD9-81ED-4DB2-BD59-A6C34878D82A}">
+                    <a16:rowId xmlns:a16="http://schemas.microsoft.com/office/drawing/2014/main" val="10003"/>
+                  </a:ext>
+                </a:extLst>
               </a:tr>
             </a:tbl>
           </a:graphicData>
@@ -9812,11 +9844,7 @@
             </a:r>
             <a:r>
               <a:rPr lang="ko-KR" altLang="en-US" dirty="0" smtClean="0"/>
-              <a:t>코드 </a:t>
-            </a:r>
-            <a:r>
-              <a:rPr lang="ko-KR" altLang="en-US" dirty="0" smtClean="0"/>
-              <a:t>수정 </a:t>
+              <a:t>코드 수정 </a:t>
             </a:r>
             <a:r>
               <a:rPr lang="en-US" altLang="ko-KR" dirty="0" smtClean="0"/>
@@ -14627,7 +14655,7 @@
           <p:nvPr>
             <p:extLst>
               <p:ext uri="{D42A27DB-BD31-4B8C-83A1-F6EECF244321}">
-                <p14:modId xmlns:p14="http://schemas.microsoft.com/office/powerpoint/2010/main" val="1387539997"/>
+                <p14:modId xmlns:p14="http://schemas.microsoft.com/office/powerpoint/2010/main" val="1983363604"/>
               </p:ext>
             </p:extLst>
           </p:nvPr>
@@ -14643,8 +14671,20 @@
                 <a:tableStyleId>{5940675A-B579-460E-94D1-54222C63F5DA}</a:tableStyleId>
               </a:tblPr>
               <a:tblGrid>
-                <a:gridCol w="2954159"/>
-                <a:gridCol w="4462665"/>
+                <a:gridCol w="2954159">
+                  <a:extLst>
+                    <a:ext uri="{9D8B030D-6E8A-4147-A177-3AD203B41FA5}">
+                      <a16:colId xmlns:a16="http://schemas.microsoft.com/office/drawing/2014/main" val="20000"/>
+                    </a:ext>
+                  </a:extLst>
+                </a:gridCol>
+                <a:gridCol w="4462665">
+                  <a:extLst>
+                    <a:ext uri="{9D8B030D-6E8A-4147-A177-3AD203B41FA5}">
+                      <a16:colId xmlns:a16="http://schemas.microsoft.com/office/drawing/2014/main" val="20001"/>
+                    </a:ext>
+                  </a:extLst>
+                </a:gridCol>
               </a:tblGrid>
               <a:tr h="362788">
                 <a:tc>
@@ -14695,6 +14735,11 @@
                     </a:solidFill>
                   </a:tcPr>
                 </a:tc>
+                <a:extLst>
+                  <a:ext uri="{0D108BD9-81ED-4DB2-BD59-A6C34878D82A}">
+                    <a16:rowId xmlns:a16="http://schemas.microsoft.com/office/drawing/2014/main" val="10000"/>
+                  </a:ext>
+                </a:extLst>
               </a:tr>
               <a:tr h="395769">
                 <a:tc>
@@ -14759,6 +14804,11 @@
                     </a:lnR>
                   </a:tcPr>
                 </a:tc>
+                <a:extLst>
+                  <a:ext uri="{0D108BD9-81ED-4DB2-BD59-A6C34878D82A}">
+                    <a16:rowId xmlns:a16="http://schemas.microsoft.com/office/drawing/2014/main" val="10001"/>
+                  </a:ext>
+                </a:extLst>
               </a:tr>
               <a:tr h="395769">
                 <a:tc>
@@ -14835,6 +14885,11 @@
                     </a:lnR>
                   </a:tcPr>
                 </a:tc>
+                <a:extLst>
+                  <a:ext uri="{0D108BD9-81ED-4DB2-BD59-A6C34878D82A}">
+                    <a16:rowId xmlns:a16="http://schemas.microsoft.com/office/drawing/2014/main" val="10002"/>
+                  </a:ext>
+                </a:extLst>
               </a:tr>
               <a:tr h="395769">
                 <a:tc>
@@ -14926,6 +14981,11 @@
                     </a:lnR>
                   </a:tcPr>
                 </a:tc>
+                <a:extLst>
+                  <a:ext uri="{0D108BD9-81ED-4DB2-BD59-A6C34878D82A}">
+                    <a16:rowId xmlns:a16="http://schemas.microsoft.com/office/drawing/2014/main" val="10003"/>
+                  </a:ext>
+                </a:extLst>
               </a:tr>
               <a:tr h="395769">
                 <a:tc>
@@ -15004,6 +15064,11 @@
                     </a:lnR>
                   </a:tcPr>
                 </a:tc>
+                <a:extLst>
+                  <a:ext uri="{0D108BD9-81ED-4DB2-BD59-A6C34878D82A}">
+                    <a16:rowId xmlns:a16="http://schemas.microsoft.com/office/drawing/2014/main" val="10004"/>
+                  </a:ext>
+                </a:extLst>
               </a:tr>
               <a:tr h="395769">
                 <a:tc>
@@ -15095,6 +15160,11 @@
                     </a:lnR>
                   </a:tcPr>
                 </a:tc>
+                <a:extLst>
+                  <a:ext uri="{0D108BD9-81ED-4DB2-BD59-A6C34878D82A}">
+                    <a16:rowId xmlns:a16="http://schemas.microsoft.com/office/drawing/2014/main" val="10005"/>
+                  </a:ext>
+                </a:extLst>
               </a:tr>
               <a:tr h="395769">
                 <a:tc>
@@ -15186,6 +15256,11 @@
                     </a:lnR>
                   </a:tcPr>
                 </a:tc>
+                <a:extLst>
+                  <a:ext uri="{0D108BD9-81ED-4DB2-BD59-A6C34878D82A}">
+                    <a16:rowId xmlns:a16="http://schemas.microsoft.com/office/drawing/2014/main" val="10006"/>
+                  </a:ext>
+                </a:extLst>
               </a:tr>
               <a:tr h="395769">
                 <a:tc>
@@ -15224,7 +15299,7 @@
                             <a:schemeClr val="tx1"/>
                           </a:solidFill>
                         </a:rPr>
-                        <a:t>next.page_number</a:t>
+                        <a:t>next_page_number</a:t>
                       </a:r>
                       <a:endParaRPr lang="en-US" altLang="ko-KR" sz="1800" dirty="0" smtClean="0">
                         <a:solidFill>
@@ -15277,6 +15352,11 @@
                     </a:lnR>
                   </a:tcPr>
                 </a:tc>
+                <a:extLst>
+                  <a:ext uri="{0D108BD9-81ED-4DB2-BD59-A6C34878D82A}">
+                    <a16:rowId xmlns:a16="http://schemas.microsoft.com/office/drawing/2014/main" val="10007"/>
+                  </a:ext>
+                </a:extLst>
               </a:tr>
               <a:tr h="395769">
                 <a:tc>
@@ -15368,6 +15448,11 @@
                     </a:lnR>
                   </a:tcPr>
                 </a:tc>
+                <a:extLst>
+                  <a:ext uri="{0D108BD9-81ED-4DB2-BD59-A6C34878D82A}">
+                    <a16:rowId xmlns:a16="http://schemas.microsoft.com/office/drawing/2014/main" val="10008"/>
+                  </a:ext>
+                </a:extLst>
               </a:tr>
               <a:tr h="395769">
                 <a:tc>
@@ -15459,6 +15544,11 @@
                     </a:lnR>
                   </a:tcPr>
                 </a:tc>
+                <a:extLst>
+                  <a:ext uri="{0D108BD9-81ED-4DB2-BD59-A6C34878D82A}">
+                    <a16:rowId xmlns:a16="http://schemas.microsoft.com/office/drawing/2014/main" val="10009"/>
+                  </a:ext>
+                </a:extLst>
               </a:tr>
               <a:tr h="395769">
                 <a:tc>
@@ -15563,6 +15653,11 @@
                     </a:lnR>
                   </a:tcPr>
                 </a:tc>
+                <a:extLst>
+                  <a:ext uri="{0D108BD9-81ED-4DB2-BD59-A6C34878D82A}">
+                    <a16:rowId xmlns:a16="http://schemas.microsoft.com/office/drawing/2014/main" val="10010"/>
+                  </a:ext>
+                </a:extLst>
               </a:tr>
               <a:tr h="395769">
                 <a:tc>
@@ -15667,6 +15762,11 @@
                     </a:lnR>
                   </a:tcPr>
                 </a:tc>
+                <a:extLst>
+                  <a:ext uri="{0D108BD9-81ED-4DB2-BD59-A6C34878D82A}">
+                    <a16:rowId xmlns:a16="http://schemas.microsoft.com/office/drawing/2014/main" val="10011"/>
+                  </a:ext>
+                </a:extLst>
               </a:tr>
             </a:tbl>
           </a:graphicData>
